--- a/DMS_Tut_250523.pptx
+++ b/DMS_Tut_250523.pptx
@@ -125,11 +125,540 @@
 <file path=ppt/revisionInfo.xml><?xml version="1.0" encoding="utf-8"?>
 <p1510:revInfo xmlns:a="http://schemas.openxmlformats.org/drawingml/2006/main" xmlns:r="http://schemas.openxmlformats.org/officeDocument/2006/relationships" xmlns:p1510="http://schemas.microsoft.com/office/powerpoint/2015/10/main">
   <p1510:revLst>
-    <p1510:client id="{563BCBD9-86C3-F642-89AD-DCBEE35C7306}" v="75" dt="2023-05-30T12:45:35.088"/>
+    <p1510:client id="{563BCBD9-86C3-F642-89AD-DCBEE35C7306}" v="74" dt="2023-05-25T13:25:50.254"/>
     <p1510:client id="{8694B2C1-0B34-A840-A880-50871CBBF036}" v="1846" dt="2023-05-25T12:12:47.052"/>
     <p1510:client id="{A120DF6F-87BA-DF1C-C7CE-A5156308A698}" v="191" dt="2023-05-24T16:24:03.456"/>
   </p1510:revLst>
 </p1510:revInfo>
+</file>
+
+<file path=ppt/changesInfos/changesInfo1.xml><?xml version="1.0" encoding="utf-8"?>
+<pc:chgInfo xmlns:a="http://schemas.openxmlformats.org/drawingml/2006/main" xmlns:r="http://schemas.openxmlformats.org/officeDocument/2006/relationships" xmlns:ac="http://schemas.microsoft.com/office/drawing/2013/main/command" xmlns:pc="http://schemas.microsoft.com/office/powerpoint/2013/main/command">
+  <pc:docChgLst>
+    <pc:chgData name="Lisa Duttenhoefer" userId="5cddce44-b4ce-4b85-b6fa-aa33c58cbad6" providerId="ADAL" clId="{563BCBD9-86C3-F642-89AD-DCBEE35C7306}"/>
+    <pc:docChg chg="custSel addSld delSld modSld sldOrd">
+      <pc:chgData name="Lisa Duttenhoefer" userId="5cddce44-b4ce-4b85-b6fa-aa33c58cbad6" providerId="ADAL" clId="{563BCBD9-86C3-F642-89AD-DCBEE35C7306}" dt="2023-05-25T13:25:50.254" v="1365" actId="20577"/>
+      <pc:docMkLst>
+        <pc:docMk/>
+      </pc:docMkLst>
+      <pc:sldChg chg="modSp mod">
+        <pc:chgData name="Lisa Duttenhoefer" userId="5cddce44-b4ce-4b85-b6fa-aa33c58cbad6" providerId="ADAL" clId="{563BCBD9-86C3-F642-89AD-DCBEE35C7306}" dt="2023-05-25T10:34:37.121" v="603" actId="5793"/>
+        <pc:sldMkLst>
+          <pc:docMk/>
+          <pc:sldMk cId="4213088110" sldId="258"/>
+        </pc:sldMkLst>
+        <pc:spChg chg="mod">
+          <ac:chgData name="Lisa Duttenhoefer" userId="5cddce44-b4ce-4b85-b6fa-aa33c58cbad6" providerId="ADAL" clId="{563BCBD9-86C3-F642-89AD-DCBEE35C7306}" dt="2023-05-25T10:34:37.121" v="603" actId="5793"/>
+          <ac:spMkLst>
+            <pc:docMk/>
+            <pc:sldMk cId="4213088110" sldId="258"/>
+            <ac:spMk id="3" creationId="{7D384E21-D097-CE95-1BB3-D5C4967ADEE3}"/>
+          </ac:spMkLst>
+        </pc:spChg>
+      </pc:sldChg>
+      <pc:sldChg chg="new del">
+        <pc:chgData name="Lisa Duttenhoefer" userId="5cddce44-b4ce-4b85-b6fa-aa33c58cbad6" providerId="ADAL" clId="{563BCBD9-86C3-F642-89AD-DCBEE35C7306}" dt="2023-05-25T10:17:24.089" v="1" actId="2696"/>
+        <pc:sldMkLst>
+          <pc:docMk/>
+          <pc:sldMk cId="1116502454" sldId="259"/>
+        </pc:sldMkLst>
+      </pc:sldChg>
+      <pc:sldChg chg="delSp add del setBg delDesignElem">
+        <pc:chgData name="Lisa Duttenhoefer" userId="5cddce44-b4ce-4b85-b6fa-aa33c58cbad6" providerId="ADAL" clId="{563BCBD9-86C3-F642-89AD-DCBEE35C7306}" dt="2023-05-25T10:17:55.644" v="6" actId="2696"/>
+        <pc:sldMkLst>
+          <pc:docMk/>
+          <pc:sldMk cId="2355351025" sldId="259"/>
+        </pc:sldMkLst>
+        <pc:spChg chg="del">
+          <ac:chgData name="Lisa Duttenhoefer" userId="5cddce44-b4ce-4b85-b6fa-aa33c58cbad6" providerId="ADAL" clId="{563BCBD9-86C3-F642-89AD-DCBEE35C7306}" dt="2023-05-25T10:17:33.800" v="3"/>
+          <ac:spMkLst>
+            <pc:docMk/>
+            <pc:sldMk cId="2355351025" sldId="259"/>
+            <ac:spMk id="9" creationId="{1660E788-AFA9-4A1B-9991-6AA74632A15B}"/>
+          </ac:spMkLst>
+        </pc:spChg>
+        <pc:spChg chg="del">
+          <ac:chgData name="Lisa Duttenhoefer" userId="5cddce44-b4ce-4b85-b6fa-aa33c58cbad6" providerId="ADAL" clId="{563BCBD9-86C3-F642-89AD-DCBEE35C7306}" dt="2023-05-25T10:17:33.800" v="3"/>
+          <ac:spMkLst>
+            <pc:docMk/>
+            <pc:sldMk cId="2355351025" sldId="259"/>
+            <ac:spMk id="11" creationId="{867D4867-5BA7-4462-B2F6-A23F4A622AA7}"/>
+          </ac:spMkLst>
+        </pc:spChg>
+      </pc:sldChg>
+      <pc:sldChg chg="addSp delSp modSp add mod ord">
+        <pc:chgData name="Lisa Duttenhoefer" userId="5cddce44-b4ce-4b85-b6fa-aa33c58cbad6" providerId="ADAL" clId="{563BCBD9-86C3-F642-89AD-DCBEE35C7306}" dt="2023-05-25T10:42:51.723" v="1255" actId="20577"/>
+        <pc:sldMkLst>
+          <pc:docMk/>
+          <pc:sldMk cId="2888100779" sldId="260"/>
+        </pc:sldMkLst>
+        <pc:spChg chg="mod">
+          <ac:chgData name="Lisa Duttenhoefer" userId="5cddce44-b4ce-4b85-b6fa-aa33c58cbad6" providerId="ADAL" clId="{563BCBD9-86C3-F642-89AD-DCBEE35C7306}" dt="2023-05-25T10:17:58.861" v="11" actId="20577"/>
+          <ac:spMkLst>
+            <pc:docMk/>
+            <pc:sldMk cId="2888100779" sldId="260"/>
+            <ac:spMk id="2" creationId="{2EA70B4F-58A2-6B7F-F26E-F219DDCD2F9E}"/>
+          </ac:spMkLst>
+        </pc:spChg>
+        <pc:spChg chg="mod">
+          <ac:chgData name="Lisa Duttenhoefer" userId="5cddce44-b4ce-4b85-b6fa-aa33c58cbad6" providerId="ADAL" clId="{563BCBD9-86C3-F642-89AD-DCBEE35C7306}" dt="2023-05-25T10:42:51.723" v="1255" actId="20577"/>
+          <ac:spMkLst>
+            <pc:docMk/>
+            <pc:sldMk cId="2888100779" sldId="260"/>
+            <ac:spMk id="3" creationId="{7C472669-720E-BA60-F0C2-5A1D5C939B01}"/>
+          </ac:spMkLst>
+        </pc:spChg>
+        <pc:spChg chg="del">
+          <ac:chgData name="Lisa Duttenhoefer" userId="5cddce44-b4ce-4b85-b6fa-aa33c58cbad6" providerId="ADAL" clId="{563BCBD9-86C3-F642-89AD-DCBEE35C7306}" dt="2023-05-25T10:30:49.753" v="523" actId="26606"/>
+          <ac:spMkLst>
+            <pc:docMk/>
+            <pc:sldMk cId="2888100779" sldId="260"/>
+            <ac:spMk id="9" creationId="{1660E788-AFA9-4A1B-9991-6AA74632A15B}"/>
+          </ac:spMkLst>
+        </pc:spChg>
+        <pc:spChg chg="del">
+          <ac:chgData name="Lisa Duttenhoefer" userId="5cddce44-b4ce-4b85-b6fa-aa33c58cbad6" providerId="ADAL" clId="{563BCBD9-86C3-F642-89AD-DCBEE35C7306}" dt="2023-05-25T10:30:49.753" v="523" actId="26606"/>
+          <ac:spMkLst>
+            <pc:docMk/>
+            <pc:sldMk cId="2888100779" sldId="260"/>
+            <ac:spMk id="11" creationId="{867D4867-5BA7-4462-B2F6-A23F4A622AA7}"/>
+          </ac:spMkLst>
+        </pc:spChg>
+        <pc:spChg chg="add">
+          <ac:chgData name="Lisa Duttenhoefer" userId="5cddce44-b4ce-4b85-b6fa-aa33c58cbad6" providerId="ADAL" clId="{563BCBD9-86C3-F642-89AD-DCBEE35C7306}" dt="2023-05-25T10:30:49.753" v="523" actId="26606"/>
+          <ac:spMkLst>
+            <pc:docMk/>
+            <pc:sldMk cId="2888100779" sldId="260"/>
+            <ac:spMk id="16" creationId="{1660E788-AFA9-4A1B-9991-6AA74632A15B}"/>
+          </ac:spMkLst>
+        </pc:spChg>
+        <pc:spChg chg="add">
+          <ac:chgData name="Lisa Duttenhoefer" userId="5cddce44-b4ce-4b85-b6fa-aa33c58cbad6" providerId="ADAL" clId="{563BCBD9-86C3-F642-89AD-DCBEE35C7306}" dt="2023-05-25T10:30:49.753" v="523" actId="26606"/>
+          <ac:spMkLst>
+            <pc:docMk/>
+            <pc:sldMk cId="2888100779" sldId="260"/>
+            <ac:spMk id="18" creationId="{867D4867-5BA7-4462-B2F6-A23F4A622AA7}"/>
+          </ac:spMkLst>
+        </pc:spChg>
+        <pc:picChg chg="del">
+          <ac:chgData name="Lisa Duttenhoefer" userId="5cddce44-b4ce-4b85-b6fa-aa33c58cbad6" providerId="ADAL" clId="{563BCBD9-86C3-F642-89AD-DCBEE35C7306}" dt="2023-05-25T10:18:00.628" v="12" actId="478"/>
+          <ac:picMkLst>
+            <pc:docMk/>
+            <pc:sldMk cId="2888100779" sldId="260"/>
+            <ac:picMk id="4" creationId="{01698171-B220-2A0F-C791-5F9B689CF314}"/>
+          </ac:picMkLst>
+        </pc:picChg>
+        <pc:picChg chg="add mod modCrop">
+          <ac:chgData name="Lisa Duttenhoefer" userId="5cddce44-b4ce-4b85-b6fa-aa33c58cbad6" providerId="ADAL" clId="{563BCBD9-86C3-F642-89AD-DCBEE35C7306}" dt="2023-05-25T10:31:16.892" v="530" actId="14100"/>
+          <ac:picMkLst>
+            <pc:docMk/>
+            <pc:sldMk cId="2888100779" sldId="260"/>
+            <ac:picMk id="6" creationId="{0898627C-72D1-6F1D-4B4B-132EAD5D2651}"/>
+          </ac:picMkLst>
+        </pc:picChg>
+      </pc:sldChg>
+      <pc:sldChg chg="addSp modSp add mod ord modNotesTx">
+        <pc:chgData name="Lisa Duttenhoefer" userId="5cddce44-b4ce-4b85-b6fa-aa33c58cbad6" providerId="ADAL" clId="{563BCBD9-86C3-F642-89AD-DCBEE35C7306}" dt="2023-05-25T13:25:50.254" v="1365" actId="20577"/>
+        <pc:sldMkLst>
+          <pc:docMk/>
+          <pc:sldMk cId="1573717989" sldId="261"/>
+        </pc:sldMkLst>
+        <pc:spChg chg="mod">
+          <ac:chgData name="Lisa Duttenhoefer" userId="5cddce44-b4ce-4b85-b6fa-aa33c58cbad6" providerId="ADAL" clId="{563BCBD9-86C3-F642-89AD-DCBEE35C7306}" dt="2023-05-25T10:31:31.941" v="539" actId="20577"/>
+          <ac:spMkLst>
+            <pc:docMk/>
+            <pc:sldMk cId="1573717989" sldId="261"/>
+            <ac:spMk id="2" creationId="{5A21515D-ED17-2228-3D0D-FBA732D68964}"/>
+          </ac:spMkLst>
+        </pc:spChg>
+        <pc:spChg chg="mod">
+          <ac:chgData name="Lisa Duttenhoefer" userId="5cddce44-b4ce-4b85-b6fa-aa33c58cbad6" providerId="ADAL" clId="{563BCBD9-86C3-F642-89AD-DCBEE35C7306}" dt="2023-05-25T10:42:35.559" v="1254" actId="1076"/>
+          <ac:spMkLst>
+            <pc:docMk/>
+            <pc:sldMk cId="1573717989" sldId="261"/>
+            <ac:spMk id="3" creationId="{7D384E21-D097-CE95-1BB3-D5C4967ADEE3}"/>
+          </ac:spMkLst>
+        </pc:spChg>
+        <pc:picChg chg="add mod">
+          <ac:chgData name="Lisa Duttenhoefer" userId="5cddce44-b4ce-4b85-b6fa-aa33c58cbad6" providerId="ADAL" clId="{563BCBD9-86C3-F642-89AD-DCBEE35C7306}" dt="2023-05-25T10:37:13.529" v="835" actId="1076"/>
+          <ac:picMkLst>
+            <pc:docMk/>
+            <pc:sldMk cId="1573717989" sldId="261"/>
+            <ac:picMk id="5" creationId="{79A312C4-F751-B743-B785-A808D0457B81}"/>
+          </ac:picMkLst>
+        </pc:picChg>
+      </pc:sldChg>
+      <pc:sldChg chg="delSp modSp add mod ord">
+        <pc:chgData name="Lisa Duttenhoefer" userId="5cddce44-b4ce-4b85-b6fa-aa33c58cbad6" providerId="ADAL" clId="{563BCBD9-86C3-F642-89AD-DCBEE35C7306}" dt="2023-05-25T10:44:23.619" v="1278" actId="478"/>
+        <pc:sldMkLst>
+          <pc:docMk/>
+          <pc:sldMk cId="1106523103" sldId="262"/>
+        </pc:sldMkLst>
+        <pc:spChg chg="mod">
+          <ac:chgData name="Lisa Duttenhoefer" userId="5cddce44-b4ce-4b85-b6fa-aa33c58cbad6" providerId="ADAL" clId="{563BCBD9-86C3-F642-89AD-DCBEE35C7306}" dt="2023-05-25T10:44:22.599" v="1277" actId="20577"/>
+          <ac:spMkLst>
+            <pc:docMk/>
+            <pc:sldMk cId="1106523103" sldId="262"/>
+            <ac:spMk id="2" creationId="{2EA70B4F-58A2-6B7F-F26E-F219DDCD2F9E}"/>
+          </ac:spMkLst>
+        </pc:spChg>
+        <pc:spChg chg="mod">
+          <ac:chgData name="Lisa Duttenhoefer" userId="5cddce44-b4ce-4b85-b6fa-aa33c58cbad6" providerId="ADAL" clId="{563BCBD9-86C3-F642-89AD-DCBEE35C7306}" dt="2023-05-25T10:44:16.828" v="1263" actId="20577"/>
+          <ac:spMkLst>
+            <pc:docMk/>
+            <pc:sldMk cId="1106523103" sldId="262"/>
+            <ac:spMk id="3" creationId="{7C472669-720E-BA60-F0C2-5A1D5C939B01}"/>
+          </ac:spMkLst>
+        </pc:spChg>
+        <pc:picChg chg="del">
+          <ac:chgData name="Lisa Duttenhoefer" userId="5cddce44-b4ce-4b85-b6fa-aa33c58cbad6" providerId="ADAL" clId="{563BCBD9-86C3-F642-89AD-DCBEE35C7306}" dt="2023-05-25T10:44:23.619" v="1278" actId="478"/>
+          <ac:picMkLst>
+            <pc:docMk/>
+            <pc:sldMk cId="1106523103" sldId="262"/>
+            <ac:picMk id="6" creationId="{0898627C-72D1-6F1D-4B4B-132EAD5D2651}"/>
+          </ac:picMkLst>
+        </pc:picChg>
+      </pc:sldChg>
+      <pc:sldChg chg="delSp add del setBg delDesignElem">
+        <pc:chgData name="Lisa Duttenhoefer" userId="5cddce44-b4ce-4b85-b6fa-aa33c58cbad6" providerId="ADAL" clId="{563BCBD9-86C3-F642-89AD-DCBEE35C7306}" dt="2023-05-25T10:43:55.756" v="1258" actId="2696"/>
+        <pc:sldMkLst>
+          <pc:docMk/>
+          <pc:sldMk cId="3897772487" sldId="262"/>
+        </pc:sldMkLst>
+        <pc:spChg chg="del">
+          <ac:chgData name="Lisa Duttenhoefer" userId="5cddce44-b4ce-4b85-b6fa-aa33c58cbad6" providerId="ADAL" clId="{563BCBD9-86C3-F642-89AD-DCBEE35C7306}" dt="2023-05-25T10:43:51.817" v="1257"/>
+          <ac:spMkLst>
+            <pc:docMk/>
+            <pc:sldMk cId="3897772487" sldId="262"/>
+            <ac:spMk id="16" creationId="{1660E788-AFA9-4A1B-9991-6AA74632A15B}"/>
+          </ac:spMkLst>
+        </pc:spChg>
+        <pc:spChg chg="del">
+          <ac:chgData name="Lisa Duttenhoefer" userId="5cddce44-b4ce-4b85-b6fa-aa33c58cbad6" providerId="ADAL" clId="{563BCBD9-86C3-F642-89AD-DCBEE35C7306}" dt="2023-05-25T10:43:51.817" v="1257"/>
+          <ac:spMkLst>
+            <pc:docMk/>
+            <pc:sldMk cId="3897772487" sldId="262"/>
+            <ac:spMk id="18" creationId="{867D4867-5BA7-4462-B2F6-A23F4A622AA7}"/>
+          </ac:spMkLst>
+        </pc:spChg>
+      </pc:sldChg>
+      <pc:sldChg chg="delSp modSp add mod">
+        <pc:chgData name="Lisa Duttenhoefer" userId="5cddce44-b4ce-4b85-b6fa-aa33c58cbad6" providerId="ADAL" clId="{563BCBD9-86C3-F642-89AD-DCBEE35C7306}" dt="2023-05-25T10:44:36.511" v="1295" actId="478"/>
+        <pc:sldMkLst>
+          <pc:docMk/>
+          <pc:sldMk cId="3895638229" sldId="263"/>
+        </pc:sldMkLst>
+        <pc:spChg chg="mod">
+          <ac:chgData name="Lisa Duttenhoefer" userId="5cddce44-b4ce-4b85-b6fa-aa33c58cbad6" providerId="ADAL" clId="{563BCBD9-86C3-F642-89AD-DCBEE35C7306}" dt="2023-05-25T10:44:32.283" v="1293" actId="20577"/>
+          <ac:spMkLst>
+            <pc:docMk/>
+            <pc:sldMk cId="3895638229" sldId="263"/>
+            <ac:spMk id="2" creationId="{5A21515D-ED17-2228-3D0D-FBA732D68964}"/>
+          </ac:spMkLst>
+        </pc:spChg>
+        <pc:spChg chg="mod">
+          <ac:chgData name="Lisa Duttenhoefer" userId="5cddce44-b4ce-4b85-b6fa-aa33c58cbad6" providerId="ADAL" clId="{563BCBD9-86C3-F642-89AD-DCBEE35C7306}" dt="2023-05-25T10:44:35.116" v="1294" actId="20577"/>
+          <ac:spMkLst>
+            <pc:docMk/>
+            <pc:sldMk cId="3895638229" sldId="263"/>
+            <ac:spMk id="3" creationId="{7D384E21-D097-CE95-1BB3-D5C4967ADEE3}"/>
+          </ac:spMkLst>
+        </pc:spChg>
+        <pc:picChg chg="del">
+          <ac:chgData name="Lisa Duttenhoefer" userId="5cddce44-b4ce-4b85-b6fa-aa33c58cbad6" providerId="ADAL" clId="{563BCBD9-86C3-F642-89AD-DCBEE35C7306}" dt="2023-05-25T10:44:36.511" v="1295" actId="478"/>
+          <ac:picMkLst>
+            <pc:docMk/>
+            <pc:sldMk cId="3895638229" sldId="263"/>
+            <ac:picMk id="5" creationId="{79A312C4-F751-B743-B785-A808D0457B81}"/>
+          </ac:picMkLst>
+        </pc:picChg>
+      </pc:sldChg>
+    </pc:docChg>
+  </pc:docChgLst>
+  <pc:docChgLst>
+    <pc:chgData name="Roman Kurley" userId="S::roman.kurley@bwedu.de::de867ac5-872e-4a35-9075-bd80537c47d4" providerId="AD" clId="Web-{A120DF6F-87BA-DF1C-C7CE-A5156308A698}"/>
+    <pc:docChg chg="addSld modSld">
+      <pc:chgData name="Roman Kurley" userId="S::roman.kurley@bwedu.de::de867ac5-872e-4a35-9075-bd80537c47d4" providerId="AD" clId="Web-{A120DF6F-87BA-DF1C-C7CE-A5156308A698}" dt="2023-05-24T16:24:01.456" v="182" actId="20577"/>
+      <pc:docMkLst>
+        <pc:docMk/>
+      </pc:docMkLst>
+      <pc:sldChg chg="modSp">
+        <pc:chgData name="Roman Kurley" userId="S::roman.kurley@bwedu.de::de867ac5-872e-4a35-9075-bd80537c47d4" providerId="AD" clId="Web-{A120DF6F-87BA-DF1C-C7CE-A5156308A698}" dt="2023-05-24T16:22:32.625" v="145" actId="20577"/>
+        <pc:sldMkLst>
+          <pc:docMk/>
+          <pc:sldMk cId="63072440" sldId="256"/>
+        </pc:sldMkLst>
+        <pc:spChg chg="mod">
+          <ac:chgData name="Roman Kurley" userId="S::roman.kurley@bwedu.de::de867ac5-872e-4a35-9075-bd80537c47d4" providerId="AD" clId="Web-{A120DF6F-87BA-DF1C-C7CE-A5156308A698}" dt="2023-05-24T16:22:32.625" v="145" actId="20577"/>
+          <ac:spMkLst>
+            <pc:docMk/>
+            <pc:sldMk cId="63072440" sldId="256"/>
+            <ac:spMk id="3" creationId="{CED7FF1D-11EF-145C-DE62-B15A5FB876C6}"/>
+          </ac:spMkLst>
+        </pc:spChg>
+      </pc:sldChg>
+      <pc:sldChg chg="addSp modSp mod setBg">
+        <pc:chgData name="Roman Kurley" userId="S::roman.kurley@bwedu.de::de867ac5-872e-4a35-9075-bd80537c47d4" providerId="AD" clId="Web-{A120DF6F-87BA-DF1C-C7CE-A5156308A698}" dt="2023-05-24T16:24:01.456" v="182" actId="20577"/>
+        <pc:sldMkLst>
+          <pc:docMk/>
+          <pc:sldMk cId="1459236731" sldId="257"/>
+        </pc:sldMkLst>
+        <pc:spChg chg="mod">
+          <ac:chgData name="Roman Kurley" userId="S::roman.kurley@bwedu.de::de867ac5-872e-4a35-9075-bd80537c47d4" providerId="AD" clId="Web-{A120DF6F-87BA-DF1C-C7CE-A5156308A698}" dt="2023-05-24T16:03:03.447" v="7"/>
+          <ac:spMkLst>
+            <pc:docMk/>
+            <pc:sldMk cId="1459236731" sldId="257"/>
+            <ac:spMk id="2" creationId="{2EA70B4F-58A2-6B7F-F26E-F219DDCD2F9E}"/>
+          </ac:spMkLst>
+        </pc:spChg>
+        <pc:spChg chg="mod">
+          <ac:chgData name="Roman Kurley" userId="S::roman.kurley@bwedu.de::de867ac5-872e-4a35-9075-bd80537c47d4" providerId="AD" clId="Web-{A120DF6F-87BA-DF1C-C7CE-A5156308A698}" dt="2023-05-24T16:24:01.456" v="182" actId="20577"/>
+          <ac:spMkLst>
+            <pc:docMk/>
+            <pc:sldMk cId="1459236731" sldId="257"/>
+            <ac:spMk id="3" creationId="{7C472669-720E-BA60-F0C2-5A1D5C939B01}"/>
+          </ac:spMkLst>
+        </pc:spChg>
+        <pc:spChg chg="add">
+          <ac:chgData name="Roman Kurley" userId="S::roman.kurley@bwedu.de::de867ac5-872e-4a35-9075-bd80537c47d4" providerId="AD" clId="Web-{A120DF6F-87BA-DF1C-C7CE-A5156308A698}" dt="2023-05-24T16:03:03.447" v="7"/>
+          <ac:spMkLst>
+            <pc:docMk/>
+            <pc:sldMk cId="1459236731" sldId="257"/>
+            <ac:spMk id="9" creationId="{1660E788-AFA9-4A1B-9991-6AA74632A15B}"/>
+          </ac:spMkLst>
+        </pc:spChg>
+        <pc:spChg chg="add">
+          <ac:chgData name="Roman Kurley" userId="S::roman.kurley@bwedu.de::de867ac5-872e-4a35-9075-bd80537c47d4" providerId="AD" clId="Web-{A120DF6F-87BA-DF1C-C7CE-A5156308A698}" dt="2023-05-24T16:03:03.447" v="7"/>
+          <ac:spMkLst>
+            <pc:docMk/>
+            <pc:sldMk cId="1459236731" sldId="257"/>
+            <ac:spMk id="11" creationId="{867D4867-5BA7-4462-B2F6-A23F4A622AA7}"/>
+          </ac:spMkLst>
+        </pc:spChg>
+        <pc:picChg chg="add mod modCrop">
+          <ac:chgData name="Roman Kurley" userId="S::roman.kurley@bwedu.de::de867ac5-872e-4a35-9075-bd80537c47d4" providerId="AD" clId="Web-{A120DF6F-87BA-DF1C-C7CE-A5156308A698}" dt="2023-05-24T16:03:33.182" v="11" actId="1076"/>
+          <ac:picMkLst>
+            <pc:docMk/>
+            <pc:sldMk cId="1459236731" sldId="257"/>
+            <ac:picMk id="4" creationId="{01698171-B220-2A0F-C791-5F9B689CF314}"/>
+          </ac:picMkLst>
+        </pc:picChg>
+      </pc:sldChg>
+      <pc:sldChg chg="modSp new">
+        <pc:chgData name="Roman Kurley" userId="S::roman.kurley@bwedu.de::de867ac5-872e-4a35-9075-bd80537c47d4" providerId="AD" clId="Web-{A120DF6F-87BA-DF1C-C7CE-A5156308A698}" dt="2023-05-24T16:23:56.894" v="179" actId="20577"/>
+        <pc:sldMkLst>
+          <pc:docMk/>
+          <pc:sldMk cId="4213088110" sldId="258"/>
+        </pc:sldMkLst>
+        <pc:spChg chg="mod">
+          <ac:chgData name="Roman Kurley" userId="S::roman.kurley@bwedu.de::de867ac5-872e-4a35-9075-bd80537c47d4" providerId="AD" clId="Web-{A120DF6F-87BA-DF1C-C7CE-A5156308A698}" dt="2023-05-24T16:04:45.685" v="55" actId="20577"/>
+          <ac:spMkLst>
+            <pc:docMk/>
+            <pc:sldMk cId="4213088110" sldId="258"/>
+            <ac:spMk id="2" creationId="{5A21515D-ED17-2228-3D0D-FBA732D68964}"/>
+          </ac:spMkLst>
+        </pc:spChg>
+        <pc:spChg chg="mod">
+          <ac:chgData name="Roman Kurley" userId="S::roman.kurley@bwedu.de::de867ac5-872e-4a35-9075-bd80537c47d4" providerId="AD" clId="Web-{A120DF6F-87BA-DF1C-C7CE-A5156308A698}" dt="2023-05-24T16:23:56.894" v="179" actId="20577"/>
+          <ac:spMkLst>
+            <pc:docMk/>
+            <pc:sldMk cId="4213088110" sldId="258"/>
+            <ac:spMk id="3" creationId="{7D384E21-D097-CE95-1BB3-D5C4967ADEE3}"/>
+          </ac:spMkLst>
+        </pc:spChg>
+      </pc:sldChg>
+    </pc:docChg>
+  </pc:docChgLst>
+  <pc:docChgLst>
+    <pc:chgData name="Tianxin Ma" userId="77cbd5fc-550e-4bd8-903d-da56d0681551" providerId="ADAL" clId="{8694B2C1-0B34-A840-A880-50871CBBF036}"/>
+    <pc:docChg chg="custSel addSld delSld modSld sldOrd">
+      <pc:chgData name="Tianxin Ma" userId="77cbd5fc-550e-4bd8-903d-da56d0681551" providerId="ADAL" clId="{8694B2C1-0B34-A840-A880-50871CBBF036}" dt="2023-05-25T12:12:47.052" v="1848" actId="20577"/>
+      <pc:docMkLst>
+        <pc:docMk/>
+      </pc:docMkLst>
+      <pc:sldChg chg="addSp delSp modSp mod ord">
+        <pc:chgData name="Tianxin Ma" userId="77cbd5fc-550e-4bd8-903d-da56d0681551" providerId="ADAL" clId="{8694B2C1-0B34-A840-A880-50871CBBF036}" dt="2023-05-25T12:08:57.845" v="1620" actId="1076"/>
+        <pc:sldMkLst>
+          <pc:docMk/>
+          <pc:sldMk cId="1106523103" sldId="262"/>
+        </pc:sldMkLst>
+        <pc:spChg chg="mod">
+          <ac:chgData name="Tianxin Ma" userId="77cbd5fc-550e-4bd8-903d-da56d0681551" providerId="ADAL" clId="{8694B2C1-0B34-A840-A880-50871CBBF036}" dt="2023-05-25T12:08:38.827" v="1611" actId="20577"/>
+          <ac:spMkLst>
+            <pc:docMk/>
+            <pc:sldMk cId="1106523103" sldId="262"/>
+            <ac:spMk id="3" creationId="{7C472669-720E-BA60-F0C2-5A1D5C939B01}"/>
+          </ac:spMkLst>
+        </pc:spChg>
+        <pc:spChg chg="add mod">
+          <ac:chgData name="Tianxin Ma" userId="77cbd5fc-550e-4bd8-903d-da56d0681551" providerId="ADAL" clId="{8694B2C1-0B34-A840-A880-50871CBBF036}" dt="2023-05-25T11:36:21.841" v="216" actId="767"/>
+          <ac:spMkLst>
+            <pc:docMk/>
+            <pc:sldMk cId="1106523103" sldId="262"/>
+            <ac:spMk id="6" creationId="{43E50F50-2109-2444-C5F5-765B26990E43}"/>
+          </ac:spMkLst>
+        </pc:spChg>
+        <pc:picChg chg="add del mod">
+          <ac:chgData name="Tianxin Ma" userId="77cbd5fc-550e-4bd8-903d-da56d0681551" providerId="ADAL" clId="{8694B2C1-0B34-A840-A880-50871CBBF036}" dt="2023-05-25T11:35:52.262" v="211" actId="478"/>
+          <ac:picMkLst>
+            <pc:docMk/>
+            <pc:sldMk cId="1106523103" sldId="262"/>
+            <ac:picMk id="4" creationId="{1641E3DB-C2A1-65E0-A850-9004846E375A}"/>
+          </ac:picMkLst>
+        </pc:picChg>
+        <pc:picChg chg="add mod">
+          <ac:chgData name="Tianxin Ma" userId="77cbd5fc-550e-4bd8-903d-da56d0681551" providerId="ADAL" clId="{8694B2C1-0B34-A840-A880-50871CBBF036}" dt="2023-05-25T12:08:57.845" v="1620" actId="1076"/>
+          <ac:picMkLst>
+            <pc:docMk/>
+            <pc:sldMk cId="1106523103" sldId="262"/>
+            <ac:picMk id="5" creationId="{2B01FA71-9E98-F529-8503-69D28C7D1C2A}"/>
+          </ac:picMkLst>
+        </pc:picChg>
+        <pc:picChg chg="add del mod">
+          <ac:chgData name="Tianxin Ma" userId="77cbd5fc-550e-4bd8-903d-da56d0681551" providerId="ADAL" clId="{8694B2C1-0B34-A840-A880-50871CBBF036}" dt="2023-05-25T12:08:53.878" v="1618" actId="478"/>
+          <ac:picMkLst>
+            <pc:docMk/>
+            <pc:sldMk cId="1106523103" sldId="262"/>
+            <ac:picMk id="7" creationId="{1116B79B-95B2-E98F-EFE3-DD59EC255732}"/>
+          </ac:picMkLst>
+        </pc:picChg>
+      </pc:sldChg>
+      <pc:sldChg chg="addSp delSp modSp mod ord">
+        <pc:chgData name="Tianxin Ma" userId="77cbd5fc-550e-4bd8-903d-da56d0681551" providerId="ADAL" clId="{8694B2C1-0B34-A840-A880-50871CBBF036}" dt="2023-05-25T12:12:47.052" v="1848" actId="20577"/>
+        <pc:sldMkLst>
+          <pc:docMk/>
+          <pc:sldMk cId="3895638229" sldId="263"/>
+        </pc:sldMkLst>
+        <pc:spChg chg="mod">
+          <ac:chgData name="Tianxin Ma" userId="77cbd5fc-550e-4bd8-903d-da56d0681551" providerId="ADAL" clId="{8694B2C1-0B34-A840-A880-50871CBBF036}" dt="2023-05-25T12:08:47.496" v="1617" actId="20577"/>
+          <ac:spMkLst>
+            <pc:docMk/>
+            <pc:sldMk cId="3895638229" sldId="263"/>
+            <ac:spMk id="2" creationId="{5A21515D-ED17-2228-3D0D-FBA732D68964}"/>
+          </ac:spMkLst>
+        </pc:spChg>
+        <pc:spChg chg="mod">
+          <ac:chgData name="Tianxin Ma" userId="77cbd5fc-550e-4bd8-903d-da56d0681551" providerId="ADAL" clId="{8694B2C1-0B34-A840-A880-50871CBBF036}" dt="2023-05-25T12:12:47.052" v="1848" actId="20577"/>
+          <ac:spMkLst>
+            <pc:docMk/>
+            <pc:sldMk cId="3895638229" sldId="263"/>
+            <ac:spMk id="3" creationId="{7D384E21-D097-CE95-1BB3-D5C4967ADEE3}"/>
+          </ac:spMkLst>
+        </pc:spChg>
+        <pc:spChg chg="add del mod">
+          <ac:chgData name="Tianxin Ma" userId="77cbd5fc-550e-4bd8-903d-da56d0681551" providerId="ADAL" clId="{8694B2C1-0B34-A840-A880-50871CBBF036}" dt="2023-05-25T11:49:44.085" v="879"/>
+          <ac:spMkLst>
+            <pc:docMk/>
+            <pc:sldMk cId="3895638229" sldId="263"/>
+            <ac:spMk id="4" creationId="{A5A534CD-7EA7-9E89-7213-434690641B20}"/>
+          </ac:spMkLst>
+        </pc:spChg>
+        <pc:spChg chg="add del mod">
+          <ac:chgData name="Tianxin Ma" userId="77cbd5fc-550e-4bd8-903d-da56d0681551" providerId="ADAL" clId="{8694B2C1-0B34-A840-A880-50871CBBF036}" dt="2023-05-25T11:50:01.294" v="893"/>
+          <ac:spMkLst>
+            <pc:docMk/>
+            <pc:sldMk cId="3895638229" sldId="263"/>
+            <ac:spMk id="5" creationId="{71DAC021-4DA4-731F-FD16-0EC99303D629}"/>
+          </ac:spMkLst>
+        </pc:spChg>
+        <pc:spChg chg="add del mod">
+          <ac:chgData name="Tianxin Ma" userId="77cbd5fc-550e-4bd8-903d-da56d0681551" providerId="ADAL" clId="{8694B2C1-0B34-A840-A880-50871CBBF036}" dt="2023-05-25T11:55:12.176" v="898"/>
+          <ac:spMkLst>
+            <pc:docMk/>
+            <pc:sldMk cId="3895638229" sldId="263"/>
+            <ac:spMk id="6" creationId="{4FA3A74D-B1FD-7478-7F6B-088918AFBE58}"/>
+          </ac:spMkLst>
+        </pc:spChg>
+      </pc:sldChg>
+      <pc:sldChg chg="delSp add del setBg delDesignElem">
+        <pc:chgData name="Tianxin Ma" userId="77cbd5fc-550e-4bd8-903d-da56d0681551" providerId="ADAL" clId="{8694B2C1-0B34-A840-A880-50871CBBF036}" dt="2023-05-25T12:08:24.944" v="1605" actId="2696"/>
+        <pc:sldMkLst>
+          <pc:docMk/>
+          <pc:sldMk cId="320661235" sldId="264"/>
+        </pc:sldMkLst>
+        <pc:spChg chg="del">
+          <ac:chgData name="Tianxin Ma" userId="77cbd5fc-550e-4bd8-903d-da56d0681551" providerId="ADAL" clId="{8694B2C1-0B34-A840-A880-50871CBBF036}" dt="2023-05-25T12:08:15.400" v="1604"/>
+          <ac:spMkLst>
+            <pc:docMk/>
+            <pc:sldMk cId="320661235" sldId="264"/>
+            <ac:spMk id="16" creationId="{1660E788-AFA9-4A1B-9991-6AA74632A15B}"/>
+          </ac:spMkLst>
+        </pc:spChg>
+        <pc:spChg chg="del">
+          <ac:chgData name="Tianxin Ma" userId="77cbd5fc-550e-4bd8-903d-da56d0681551" providerId="ADAL" clId="{8694B2C1-0B34-A840-A880-50871CBBF036}" dt="2023-05-25T12:08:15.400" v="1604"/>
+          <ac:spMkLst>
+            <pc:docMk/>
+            <pc:sldMk cId="320661235" sldId="264"/>
+            <ac:spMk id="18" creationId="{867D4867-5BA7-4462-B2F6-A23F4A622AA7}"/>
+          </ac:spMkLst>
+        </pc:spChg>
+      </pc:sldChg>
+      <pc:sldChg chg="delSp modSp add mod">
+        <pc:chgData name="Tianxin Ma" userId="77cbd5fc-550e-4bd8-903d-da56d0681551" providerId="ADAL" clId="{8694B2C1-0B34-A840-A880-50871CBBF036}" dt="2023-05-25T12:12:14.760" v="1847" actId="20577"/>
+        <pc:sldMkLst>
+          <pc:docMk/>
+          <pc:sldMk cId="2170423642" sldId="264"/>
+        </pc:sldMkLst>
+        <pc:spChg chg="mod">
+          <ac:chgData name="Tianxin Ma" userId="77cbd5fc-550e-4bd8-903d-da56d0681551" providerId="ADAL" clId="{8694B2C1-0B34-A840-A880-50871CBBF036}" dt="2023-05-25T12:08:43.618" v="1614" actId="20577"/>
+          <ac:spMkLst>
+            <pc:docMk/>
+            <pc:sldMk cId="2170423642" sldId="264"/>
+            <ac:spMk id="2" creationId="{2EA70B4F-58A2-6B7F-F26E-F219DDCD2F9E}"/>
+          </ac:spMkLst>
+        </pc:spChg>
+        <pc:spChg chg="mod">
+          <ac:chgData name="Tianxin Ma" userId="77cbd5fc-550e-4bd8-903d-da56d0681551" providerId="ADAL" clId="{8694B2C1-0B34-A840-A880-50871CBBF036}" dt="2023-05-25T12:12:14.760" v="1847" actId="20577"/>
+          <ac:spMkLst>
+            <pc:docMk/>
+            <pc:sldMk cId="2170423642" sldId="264"/>
+            <ac:spMk id="3" creationId="{7C472669-720E-BA60-F0C2-5A1D5C939B01}"/>
+          </ac:spMkLst>
+        </pc:spChg>
+        <pc:picChg chg="del">
+          <ac:chgData name="Tianxin Ma" userId="77cbd5fc-550e-4bd8-903d-da56d0681551" providerId="ADAL" clId="{8694B2C1-0B34-A840-A880-50871CBBF036}" dt="2023-05-25T12:11:20.224" v="1779" actId="478"/>
+          <ac:picMkLst>
+            <pc:docMk/>
+            <pc:sldMk cId="2170423642" sldId="264"/>
+            <ac:picMk id="5" creationId="{2B01FA71-9E98-F529-8503-69D28C7D1C2A}"/>
+          </ac:picMkLst>
+        </pc:picChg>
+        <pc:picChg chg="mod">
+          <ac:chgData name="Tianxin Ma" userId="77cbd5fc-550e-4bd8-903d-da56d0681551" providerId="ADAL" clId="{8694B2C1-0B34-A840-A880-50871CBBF036}" dt="2023-05-25T12:11:27.682" v="1782" actId="1076"/>
+          <ac:picMkLst>
+            <pc:docMk/>
+            <pc:sldMk cId="2170423642" sldId="264"/>
+            <ac:picMk id="7" creationId="{1116B79B-95B2-E98F-EFE3-DD59EC255732}"/>
+          </ac:picMkLst>
+        </pc:picChg>
+      </pc:sldChg>
+    </pc:docChg>
+  </pc:docChgLst>
+  <pc:docChgLst>
+    <pc:chgData name="Roman Kurley" userId="de867ac5-872e-4a35-9075-bd80537c47d4" providerId="ADAL" clId="{67E4702A-C92A-0E41-B9E3-67F44E155200}"/>
+    <pc:docChg chg="addSld modSld">
+      <pc:chgData name="Roman Kurley" userId="de867ac5-872e-4a35-9075-bd80537c47d4" providerId="ADAL" clId="{67E4702A-C92A-0E41-B9E3-67F44E155200}" dt="2023-05-24T08:38:04.982" v="7" actId="20577"/>
+      <pc:docMkLst>
+        <pc:docMk/>
+      </pc:docMkLst>
+      <pc:sldChg chg="modSp new">
+        <pc:chgData name="Roman Kurley" userId="de867ac5-872e-4a35-9075-bd80537c47d4" providerId="ADAL" clId="{67E4702A-C92A-0E41-B9E3-67F44E155200}" dt="2023-05-24T08:38:04.982" v="7" actId="20577"/>
+        <pc:sldMkLst>
+          <pc:docMk/>
+          <pc:sldMk cId="1459236731" sldId="257"/>
+        </pc:sldMkLst>
+        <pc:spChg chg="mod">
+          <ac:chgData name="Roman Kurley" userId="de867ac5-872e-4a35-9075-bd80537c47d4" providerId="ADAL" clId="{67E4702A-C92A-0E41-B9E3-67F44E155200}" dt="2023-05-24T08:38:04.982" v="7" actId="20577"/>
+          <ac:spMkLst>
+            <pc:docMk/>
+            <pc:sldMk cId="1459236731" sldId="257"/>
+            <ac:spMk id="2" creationId="{2EA70B4F-58A2-6B7F-F26E-F219DDCD2F9E}"/>
+          </ac:spMkLst>
+        </pc:spChg>
+      </pc:sldChg>
+    </pc:docChg>
+  </pc:docChgLst>
+</pc:chgInfo>
 </file>
 
 <file path=ppt/notesMasters/notesMaster1.xml><?xml version="1.0" encoding="utf-8"?>
@@ -214,7 +743,7 @@
           <a:p>
             <a:fld id="{568198F4-88CC-9445-AB11-EB63DC901DED}" type="datetimeFigureOut">
               <a:rPr lang="de-DE" smtClean="0"/>
-              <a:t>30.05.23</a:t>
+              <a:t>25.05.2023</a:t>
             </a:fld>
             <a:endParaRPr lang="de-DE"/>
           </a:p>
@@ -372,7 +901,7 @@
           <a:p>
             <a:fld id="{59311AF5-D603-9D48-9ABC-DA8F2D45C331}" type="slidenum">
               <a:rPr lang="de-DE" smtClean="0"/>
-              <a:t>‹Nr.›</a:t>
+              <a:t>‹#›</a:t>
             </a:fld>
             <a:endParaRPr lang="de-DE"/>
           </a:p>
@@ -761,7 +1290,7 @@
           <a:p>
             <a:fld id="{FCC11F31-3D64-5A4D-8ED6-AAFD1E5D819F}" type="datetimeFigureOut">
               <a:rPr lang="en-US" smtClean="0"/>
-              <a:t>5/30/23</a:t>
+              <a:t>5/25/2023</a:t>
             </a:fld>
             <a:endParaRPr lang="en-US"/>
           </a:p>
@@ -803,7 +1332,7 @@
           <a:p>
             <a:fld id="{36EA0A49-E077-7E4B-B2B0-4DE178601EA4}" type="slidenum">
               <a:rPr lang="en-US" smtClean="0"/>
-              <a:t>‹Nr.›</a:t>
+              <a:t>‹#›</a:t>
             </a:fld>
             <a:endParaRPr lang="en-US"/>
           </a:p>
@@ -931,7 +1460,7 @@
           <a:p>
             <a:fld id="{FCC11F31-3D64-5A4D-8ED6-AAFD1E5D819F}" type="datetimeFigureOut">
               <a:rPr lang="en-US" smtClean="0"/>
-              <a:t>5/30/23</a:t>
+              <a:t>5/25/2023</a:t>
             </a:fld>
             <a:endParaRPr lang="en-US"/>
           </a:p>
@@ -973,7 +1502,7 @@
           <a:p>
             <a:fld id="{36EA0A49-E077-7E4B-B2B0-4DE178601EA4}" type="slidenum">
               <a:rPr lang="en-US" smtClean="0"/>
-              <a:t>‹Nr.›</a:t>
+              <a:t>‹#›</a:t>
             </a:fld>
             <a:endParaRPr lang="en-US"/>
           </a:p>
@@ -1111,7 +1640,7 @@
           <a:p>
             <a:fld id="{FCC11F31-3D64-5A4D-8ED6-AAFD1E5D819F}" type="datetimeFigureOut">
               <a:rPr lang="en-US" smtClean="0"/>
-              <a:t>5/30/23</a:t>
+              <a:t>5/25/2023</a:t>
             </a:fld>
             <a:endParaRPr lang="en-US"/>
           </a:p>
@@ -1153,7 +1682,7 @@
           <a:p>
             <a:fld id="{36EA0A49-E077-7E4B-B2B0-4DE178601EA4}" type="slidenum">
               <a:rPr lang="en-US" smtClean="0"/>
-              <a:t>‹Nr.›</a:t>
+              <a:t>‹#›</a:t>
             </a:fld>
             <a:endParaRPr lang="en-US"/>
           </a:p>
@@ -1281,7 +1810,7 @@
           <a:p>
             <a:fld id="{FCC11F31-3D64-5A4D-8ED6-AAFD1E5D819F}" type="datetimeFigureOut">
               <a:rPr lang="en-US" smtClean="0"/>
-              <a:t>5/30/23</a:t>
+              <a:t>5/25/2023</a:t>
             </a:fld>
             <a:endParaRPr lang="en-US"/>
           </a:p>
@@ -1323,7 +1852,7 @@
           <a:p>
             <a:fld id="{36EA0A49-E077-7E4B-B2B0-4DE178601EA4}" type="slidenum">
               <a:rPr lang="en-US" smtClean="0"/>
-              <a:t>‹Nr.›</a:t>
+              <a:t>‹#›</a:t>
             </a:fld>
             <a:endParaRPr lang="en-US"/>
           </a:p>
@@ -1549,7 +2078,7 @@
           <a:p>
             <a:fld id="{FCC11F31-3D64-5A4D-8ED6-AAFD1E5D819F}" type="datetimeFigureOut">
               <a:rPr lang="en-US" smtClean="0"/>
-              <a:t>5/30/23</a:t>
+              <a:t>5/25/2023</a:t>
             </a:fld>
             <a:endParaRPr lang="en-US"/>
           </a:p>
@@ -1591,7 +2120,7 @@
           <a:p>
             <a:fld id="{36EA0A49-E077-7E4B-B2B0-4DE178601EA4}" type="slidenum">
               <a:rPr lang="en-US" smtClean="0"/>
-              <a:t>‹Nr.›</a:t>
+              <a:t>‹#›</a:t>
             </a:fld>
             <a:endParaRPr lang="en-US"/>
           </a:p>
@@ -1781,7 +2310,7 @@
           <a:p>
             <a:fld id="{FCC11F31-3D64-5A4D-8ED6-AAFD1E5D819F}" type="datetimeFigureOut">
               <a:rPr lang="en-US" smtClean="0"/>
-              <a:t>5/30/23</a:t>
+              <a:t>5/25/2023</a:t>
             </a:fld>
             <a:endParaRPr lang="en-US"/>
           </a:p>
@@ -1823,7 +2352,7 @@
           <a:p>
             <a:fld id="{36EA0A49-E077-7E4B-B2B0-4DE178601EA4}" type="slidenum">
               <a:rPr lang="en-US" smtClean="0"/>
-              <a:t>‹Nr.›</a:t>
+              <a:t>‹#›</a:t>
             </a:fld>
             <a:endParaRPr lang="en-US"/>
           </a:p>
@@ -2140,7 +2669,7 @@
           <a:p>
             <a:fld id="{FCC11F31-3D64-5A4D-8ED6-AAFD1E5D819F}" type="datetimeFigureOut">
               <a:rPr lang="en-US" smtClean="0"/>
-              <a:t>5/30/23</a:t>
+              <a:t>5/25/2023</a:t>
             </a:fld>
             <a:endParaRPr lang="en-US"/>
           </a:p>
@@ -2182,7 +2711,7 @@
           <a:p>
             <a:fld id="{36EA0A49-E077-7E4B-B2B0-4DE178601EA4}" type="slidenum">
               <a:rPr lang="en-US" smtClean="0"/>
-              <a:t>‹Nr.›</a:t>
+              <a:t>‹#›</a:t>
             </a:fld>
             <a:endParaRPr lang="en-US"/>
           </a:p>
@@ -2281,7 +2810,7 @@
           <a:p>
             <a:fld id="{FCC11F31-3D64-5A4D-8ED6-AAFD1E5D819F}" type="datetimeFigureOut">
               <a:rPr lang="en-US" smtClean="0"/>
-              <a:t>5/30/23</a:t>
+              <a:t>5/25/2023</a:t>
             </a:fld>
             <a:endParaRPr lang="en-US"/>
           </a:p>
@@ -2323,7 +2852,7 @@
           <a:p>
             <a:fld id="{36EA0A49-E077-7E4B-B2B0-4DE178601EA4}" type="slidenum">
               <a:rPr lang="en-US" smtClean="0"/>
-              <a:t>‹Nr.›</a:t>
+              <a:t>‹#›</a:t>
             </a:fld>
             <a:endParaRPr lang="en-US"/>
           </a:p>
@@ -2376,7 +2905,7 @@
           <a:p>
             <a:fld id="{FCC11F31-3D64-5A4D-8ED6-AAFD1E5D819F}" type="datetimeFigureOut">
               <a:rPr lang="en-US" smtClean="0"/>
-              <a:t>5/30/23</a:t>
+              <a:t>5/25/2023</a:t>
             </a:fld>
             <a:endParaRPr lang="en-US"/>
           </a:p>
@@ -2418,7 +2947,7 @@
           <a:p>
             <a:fld id="{36EA0A49-E077-7E4B-B2B0-4DE178601EA4}" type="slidenum">
               <a:rPr lang="en-US" smtClean="0"/>
-              <a:t>‹Nr.›</a:t>
+              <a:t>‹#›</a:t>
             </a:fld>
             <a:endParaRPr lang="en-US"/>
           </a:p>
@@ -2733,7 +3262,7 @@
           <a:p>
             <a:fld id="{FCC11F31-3D64-5A4D-8ED6-AAFD1E5D819F}" type="datetimeFigureOut">
               <a:rPr lang="en-US" smtClean="0"/>
-              <a:t>5/30/23</a:t>
+              <a:t>5/25/2023</a:t>
             </a:fld>
             <a:endParaRPr lang="en-US"/>
           </a:p>
@@ -2790,7 +3319,7 @@
           <a:p>
             <a:fld id="{36EA0A49-E077-7E4B-B2B0-4DE178601EA4}" type="slidenum">
               <a:rPr lang="en-US" smtClean="0"/>
-              <a:t>‹Nr.›</a:t>
+              <a:t>‹#›</a:t>
             </a:fld>
             <a:endParaRPr lang="en-US"/>
           </a:p>
@@ -3090,7 +3619,7 @@
           <a:p>
             <a:fld id="{FCC11F31-3D64-5A4D-8ED6-AAFD1E5D819F}" type="datetimeFigureOut">
               <a:rPr lang="en-US" smtClean="0"/>
-              <a:t>5/30/23</a:t>
+              <a:t>5/25/2023</a:t>
             </a:fld>
             <a:endParaRPr lang="en-US"/>
           </a:p>
@@ -3147,7 +3676,7 @@
           <a:p>
             <a:fld id="{36EA0A49-E077-7E4B-B2B0-4DE178601EA4}" type="slidenum">
               <a:rPr lang="en-US" smtClean="0"/>
-              <a:t>‹Nr.›</a:t>
+              <a:t>‹#›</a:t>
             </a:fld>
             <a:endParaRPr lang="en-US"/>
           </a:p>
@@ -3332,7 +3861,7 @@
           <a:p>
             <a:fld id="{FCC11F31-3D64-5A4D-8ED6-AAFD1E5D819F}" type="datetimeFigureOut">
               <a:rPr lang="en-US" smtClean="0"/>
-              <a:t>5/30/23</a:t>
+              <a:t>5/25/2023</a:t>
             </a:fld>
             <a:endParaRPr lang="en-US"/>
           </a:p>
@@ -3415,7 +3944,7 @@
           <a:p>
             <a:fld id="{36EA0A49-E077-7E4B-B2B0-4DE178601EA4}" type="slidenum">
               <a:rPr lang="en-US" smtClean="0"/>
-              <a:t>‹Nr.›</a:t>
+              <a:t>‹#›</a:t>
             </a:fld>
             <a:endParaRPr lang="en-US"/>
           </a:p>
